--- a/Lectures/img/BeamUnderStrain.pptx
+++ b/Lectures/img/BeamUnderStrain.pptx
@@ -104,6 +104,11 @@
       </a:defRPr>
     </a:lvl9pPr>
   </p:defaultTextStyle>
+  <p:extLst>
+    <p:ext uri="{EFAFB233-063F-42B5-8137-9DF3F51BA10A}">
+      <p15:sldGuideLst xmlns:p15="http://schemas.microsoft.com/office/powerpoint/2012/main"/>
+    </p:ext>
+  </p:extLst>
 </p:presentation>
 </file>
 
@@ -238,7 +243,7 @@
           <a:p>
             <a:fld id="{EA72334F-5BC7-4BF1-91D1-5EB4ED49486C}" type="datetimeFigureOut">
               <a:rPr lang="en-US" smtClean="0"/>
-              <a:t>3/27/2020</a:t>
+              <a:t>4/14/2020</a:t>
             </a:fld>
             <a:endParaRPr lang="en-US"/>
           </a:p>
@@ -408,7 +413,7 @@
           <a:p>
             <a:fld id="{EA72334F-5BC7-4BF1-91D1-5EB4ED49486C}" type="datetimeFigureOut">
               <a:rPr lang="en-US" smtClean="0"/>
-              <a:t>3/27/2020</a:t>
+              <a:t>4/14/2020</a:t>
             </a:fld>
             <a:endParaRPr lang="en-US"/>
           </a:p>
@@ -588,7 +593,7 @@
           <a:p>
             <a:fld id="{EA72334F-5BC7-4BF1-91D1-5EB4ED49486C}" type="datetimeFigureOut">
               <a:rPr lang="en-US" smtClean="0"/>
-              <a:t>3/27/2020</a:t>
+              <a:t>4/14/2020</a:t>
             </a:fld>
             <a:endParaRPr lang="en-US"/>
           </a:p>
@@ -758,7 +763,7 @@
           <a:p>
             <a:fld id="{EA72334F-5BC7-4BF1-91D1-5EB4ED49486C}" type="datetimeFigureOut">
               <a:rPr lang="en-US" smtClean="0"/>
-              <a:t>3/27/2020</a:t>
+              <a:t>4/14/2020</a:t>
             </a:fld>
             <a:endParaRPr lang="en-US"/>
           </a:p>
@@ -1004,7 +1009,7 @@
           <a:p>
             <a:fld id="{EA72334F-5BC7-4BF1-91D1-5EB4ED49486C}" type="datetimeFigureOut">
               <a:rPr lang="en-US" smtClean="0"/>
-              <a:t>3/27/2020</a:t>
+              <a:t>4/14/2020</a:t>
             </a:fld>
             <a:endParaRPr lang="en-US"/>
           </a:p>
@@ -1236,7 +1241,7 @@
           <a:p>
             <a:fld id="{EA72334F-5BC7-4BF1-91D1-5EB4ED49486C}" type="datetimeFigureOut">
               <a:rPr lang="en-US" smtClean="0"/>
-              <a:t>3/27/2020</a:t>
+              <a:t>4/14/2020</a:t>
             </a:fld>
             <a:endParaRPr lang="en-US"/>
           </a:p>
@@ -1603,7 +1608,7 @@
           <a:p>
             <a:fld id="{EA72334F-5BC7-4BF1-91D1-5EB4ED49486C}" type="datetimeFigureOut">
               <a:rPr lang="en-US" smtClean="0"/>
-              <a:t>3/27/2020</a:t>
+              <a:t>4/14/2020</a:t>
             </a:fld>
             <a:endParaRPr lang="en-US"/>
           </a:p>
@@ -1721,7 +1726,7 @@
           <a:p>
             <a:fld id="{EA72334F-5BC7-4BF1-91D1-5EB4ED49486C}" type="datetimeFigureOut">
               <a:rPr lang="en-US" smtClean="0"/>
-              <a:t>3/27/2020</a:t>
+              <a:t>4/14/2020</a:t>
             </a:fld>
             <a:endParaRPr lang="en-US"/>
           </a:p>
@@ -1816,7 +1821,7 @@
           <a:p>
             <a:fld id="{EA72334F-5BC7-4BF1-91D1-5EB4ED49486C}" type="datetimeFigureOut">
               <a:rPr lang="en-US" smtClean="0"/>
-              <a:t>3/27/2020</a:t>
+              <a:t>4/14/2020</a:t>
             </a:fld>
             <a:endParaRPr lang="en-US"/>
           </a:p>
@@ -2093,7 +2098,7 @@
           <a:p>
             <a:fld id="{EA72334F-5BC7-4BF1-91D1-5EB4ED49486C}" type="datetimeFigureOut">
               <a:rPr lang="en-US" smtClean="0"/>
-              <a:t>3/27/2020</a:t>
+              <a:t>4/14/2020</a:t>
             </a:fld>
             <a:endParaRPr lang="en-US"/>
           </a:p>
@@ -2346,7 +2351,7 @@
           <a:p>
             <a:fld id="{EA72334F-5BC7-4BF1-91D1-5EB4ED49486C}" type="datetimeFigureOut">
               <a:rPr lang="en-US" smtClean="0"/>
-              <a:t>3/27/2020</a:t>
+              <a:t>4/14/2020</a:t>
             </a:fld>
             <a:endParaRPr lang="en-US"/>
           </a:p>
@@ -2559,7 +2564,7 @@
           <a:p>
             <a:fld id="{EA72334F-5BC7-4BF1-91D1-5EB4ED49486C}" type="datetimeFigureOut">
               <a:rPr lang="en-US" smtClean="0"/>
-              <a:t>3/27/2020</a:t>
+              <a:t>4/14/2020</a:t>
             </a:fld>
             <a:endParaRPr lang="en-US"/>
           </a:p>
@@ -3629,12 +3634,12 @@
           <a:lstStyle/>
           <a:p>
             <a:r>
-              <a:rPr lang="el-GR" sz="2800" b="1" i="1" dirty="0" smtClean="0">
+              <a:rPr lang="en-US" sz="2800" b="1" i="1" dirty="0">
                 <a:solidFill>
                   <a:srgbClr val="FF0000"/>
                 </a:solidFill>
               </a:rPr>
-              <a:t>Δ</a:t>
+              <a:t>d</a:t>
             </a:r>
             <a:r>
               <a:rPr lang="en-US" sz="2800" b="1" i="1" dirty="0" smtClean="0">
@@ -3791,12 +3796,12 @@
               <a:t>A - </a:t>
             </a:r>
             <a:r>
-              <a:rPr lang="el-GR" sz="2800" b="1" i="1" dirty="0" smtClean="0">
+              <a:rPr lang="en-US" sz="2800" b="1" i="1" dirty="0">
                 <a:solidFill>
                   <a:srgbClr val="FF0000"/>
                 </a:solidFill>
               </a:rPr>
-              <a:t>Δ</a:t>
+              <a:t>d</a:t>
             </a:r>
             <a:r>
               <a:rPr lang="en-US" sz="2800" b="1" i="1" dirty="0" smtClean="0">
